--- a/documents/PitchSlide_1_0.pptx
+++ b/documents/PitchSlide_1_0.pptx
@@ -137,18 +137,18 @@
   <pc:docChgLst>
     <pc:chgData name="Markus Zajkowski" userId="c340ccfac28e075a" providerId="LiveId" clId="{4A9ADB17-B272-45DA-B89B-4407BFE9B0D4}"/>
     <pc:docChg chg="undo custSel modSld delSection">
-      <pc:chgData name="Markus Zajkowski" userId="c340ccfac28e075a" providerId="LiveId" clId="{4A9ADB17-B272-45DA-B89B-4407BFE9B0D4}" dt="2020-12-02T10:34:52.197" v="164"/>
+      <pc:chgData name="Markus Zajkowski" userId="c340ccfac28e075a" providerId="LiveId" clId="{4A9ADB17-B272-45DA-B89B-4407BFE9B0D4}" dt="2020-12-02T18:11:14.974" v="179" actId="1076"/>
       <pc:docMkLst>
         <pc:docMk/>
       </pc:docMkLst>
       <pc:sldChg chg="addSp delSp modSp mod modAnim">
-        <pc:chgData name="Markus Zajkowski" userId="c340ccfac28e075a" providerId="LiveId" clId="{4A9ADB17-B272-45DA-B89B-4407BFE9B0D4}" dt="2020-12-02T10:34:52.197" v="164"/>
+        <pc:chgData name="Markus Zajkowski" userId="c340ccfac28e075a" providerId="LiveId" clId="{4A9ADB17-B272-45DA-B89B-4407BFE9B0D4}" dt="2020-12-02T18:11:14.974" v="179" actId="1076"/>
         <pc:sldMkLst>
           <pc:docMk/>
           <pc:sldMk cId="2072962052" sldId="256"/>
         </pc:sldMkLst>
         <pc:spChg chg="mod">
-          <ac:chgData name="Markus Zajkowski" userId="c340ccfac28e075a" providerId="LiveId" clId="{4A9ADB17-B272-45DA-B89B-4407BFE9B0D4}" dt="2020-12-02T09:55:45.460" v="53" actId="1076"/>
+          <ac:chgData name="Markus Zajkowski" userId="c340ccfac28e075a" providerId="LiveId" clId="{4A9ADB17-B272-45DA-B89B-4407BFE9B0D4}" dt="2020-12-02T18:11:14.974" v="179" actId="1076"/>
           <ac:spMkLst>
             <pc:docMk/>
             <pc:sldMk cId="2072962052" sldId="256"/>
@@ -156,7 +156,7 @@
           </ac:spMkLst>
         </pc:spChg>
         <pc:spChg chg="mod">
-          <ac:chgData name="Markus Zajkowski" userId="c340ccfac28e075a" providerId="LiveId" clId="{4A9ADB17-B272-45DA-B89B-4407BFE9B0D4}" dt="2020-12-02T10:06:07.614" v="159" actId="21"/>
+          <ac:chgData name="Markus Zajkowski" userId="c340ccfac28e075a" providerId="LiveId" clId="{4A9ADB17-B272-45DA-B89B-4407BFE9B0D4}" dt="2020-12-02T18:11:04.034" v="178" actId="1076"/>
           <ac:spMkLst>
             <pc:docMk/>
             <pc:sldMk cId="2072962052" sldId="256"/>
@@ -195,8 +195,16 @@
             <ac:picMk id="4" creationId="{9E515FE0-B8A9-40DB-A2B7-E53ED97CEDFF}"/>
           </ac:picMkLst>
         </pc:picChg>
+        <pc:picChg chg="add mod modCrop">
+          <ac:chgData name="Markus Zajkowski" userId="c340ccfac28e075a" providerId="LiveId" clId="{4A9ADB17-B272-45DA-B89B-4407BFE9B0D4}" dt="2020-12-02T18:10:48.058" v="177" actId="1076"/>
+          <ac:picMkLst>
+            <pc:docMk/>
+            <pc:sldMk cId="2072962052" sldId="256"/>
+            <ac:picMk id="5" creationId="{3C7FD9C5-ED8D-45DD-920B-AA794440695E}"/>
+          </ac:picMkLst>
+        </pc:picChg>
         <pc:picChg chg="add mod">
-          <ac:chgData name="Markus Zajkowski" userId="c340ccfac28e075a" providerId="LiveId" clId="{4A9ADB17-B272-45DA-B89B-4407BFE9B0D4}" dt="2020-12-02T10:34:36.098" v="163" actId="1076"/>
+          <ac:chgData name="Markus Zajkowski" userId="c340ccfac28e075a" providerId="LiveId" clId="{4A9ADB17-B272-45DA-B89B-4407BFE9B0D4}" dt="2020-12-02T18:09:35.911" v="166" actId="1076"/>
           <ac:picMkLst>
             <pc:docMk/>
             <pc:sldMk cId="2072962052" sldId="256"/>
@@ -7478,7 +7486,7 @@
         </p:nvSpPr>
         <p:spPr>
           <a:xfrm>
-            <a:off x="79715" y="4035700"/>
+            <a:off x="190577" y="4035700"/>
             <a:ext cx="3395049" cy="2288900"/>
           </a:xfrm>
           <a:prstGeom prst="rect">
@@ -7535,7 +7543,7 @@
         </p:nvSpPr>
         <p:spPr>
           <a:xfrm>
-            <a:off x="3525380" y="4030361"/>
+            <a:off x="3776203" y="4030361"/>
             <a:ext cx="3581590" cy="2288900"/>
           </a:xfrm>
           <a:prstGeom prst="rect">
@@ -7686,8 +7694,37 @@
         </p:blipFill>
         <p:spPr>
           <a:xfrm>
-            <a:off x="360706" y="264272"/>
-            <a:ext cx="609600" cy="609600"/>
+            <a:off x="424756" y="313288"/>
+            <a:ext cx="304800" cy="304800"/>
+          </a:xfrm>
+          <a:prstGeom prst="rect">
+            <a:avLst/>
+          </a:prstGeom>
+        </p:spPr>
+      </p:pic>
+      <p:pic>
+        <p:nvPicPr>
+          <p:cNvPr id="5" name="Grafik 4">
+            <a:extLst>
+              <a:ext uri="{FF2B5EF4-FFF2-40B4-BE49-F238E27FC236}">
+                <a16:creationId xmlns:a16="http://schemas.microsoft.com/office/drawing/2014/main" id="{3C7FD9C5-ED8D-45DD-920B-AA794440695E}"/>
+              </a:ext>
+            </a:extLst>
+          </p:cNvPr>
+          <p:cNvPicPr>
+            <a:picLocks noChangeAspect="1"/>
+          </p:cNvPicPr>
+          <p:nvPr/>
+        </p:nvPicPr>
+        <p:blipFill rotWithShape="1">
+          <a:blip r:embed="rId12"/>
+          <a:srcRect l="30429" r="27924"/>
+          <a:stretch/>
+        </p:blipFill>
+        <p:spPr>
+          <a:xfrm>
+            <a:off x="8364586" y="3860439"/>
+            <a:ext cx="2860135" cy="2820720"/>
           </a:xfrm>
           <a:prstGeom prst="rect">
             <a:avLst/>
